--- a/Presentations/2019-04-03-Serverless-computing.pptx
+++ b/Presentations/2019-04-03-Serverless-computing.pptx
@@ -252,7 +252,7 @@
             <a:fld id="{A74C3DD1-6B4C-423E-A696-BD4124EC33BC}" type="datetimeFigureOut">
               <a:rPr lang="cs-CZ" smtClean="0"/>
               <a:pPr/>
-              <a:t>01.04.2019</a:t>
+              <a:t>28.03.2022</a:t>
             </a:fld>
             <a:endParaRPr lang="cs-CZ" dirty="0"/>
           </a:p>
@@ -1210,7 +1210,7 @@
           <a:p>
             <a:fld id="{0DA6F2F8-F70A-47D7-AD2D-4F12E71A0C18}" type="datetimeFigureOut">
               <a:rPr lang="cs-CZ" smtClean="0"/>
-              <a:t>01.04.2019</a:t>
+              <a:t>28.03.2022</a:t>
             </a:fld>
             <a:endParaRPr lang="cs-CZ"/>
           </a:p>
@@ -1391,7 +1391,7 @@
           <a:p>
             <a:fld id="{0DA6F2F8-F70A-47D7-AD2D-4F12E71A0C18}" type="datetimeFigureOut">
               <a:rPr lang="cs-CZ" smtClean="0"/>
-              <a:t>01.04.2019</a:t>
+              <a:t>28.03.2022</a:t>
             </a:fld>
             <a:endParaRPr lang="cs-CZ"/>
           </a:p>
@@ -1582,7 +1582,7 @@
           <a:p>
             <a:fld id="{0DA6F2F8-F70A-47D7-AD2D-4F12E71A0C18}" type="datetimeFigureOut">
               <a:rPr lang="cs-CZ" smtClean="0"/>
-              <a:t>01.04.2019</a:t>
+              <a:t>28.03.2022</a:t>
             </a:fld>
             <a:endParaRPr lang="cs-CZ"/>
           </a:p>
@@ -1797,7 +1797,7 @@
           <a:p>
             <a:fld id="{0DA6F2F8-F70A-47D7-AD2D-4F12E71A0C18}" type="datetimeFigureOut">
               <a:rPr lang="cs-CZ" smtClean="0"/>
-              <a:t>01.04.2019</a:t>
+              <a:t>28.03.2022</a:t>
             </a:fld>
             <a:endParaRPr lang="cs-CZ"/>
           </a:p>
@@ -2072,7 +2072,7 @@
           <a:p>
             <a:fld id="{0DA6F2F8-F70A-47D7-AD2D-4F12E71A0C18}" type="datetimeFigureOut">
               <a:rPr lang="cs-CZ" smtClean="0"/>
-              <a:t>01.04.2019</a:t>
+              <a:t>28.03.2022</a:t>
             </a:fld>
             <a:endParaRPr lang="cs-CZ"/>
           </a:p>
@@ -2389,7 +2389,7 @@
           <a:p>
             <a:fld id="{0DA6F2F8-F70A-47D7-AD2D-4F12E71A0C18}" type="datetimeFigureOut">
               <a:rPr lang="cs-CZ" smtClean="0"/>
-              <a:t>01.04.2019</a:t>
+              <a:t>28.03.2022</a:t>
             </a:fld>
             <a:endParaRPr lang="cs-CZ" dirty="0"/>
           </a:p>
@@ -2839,7 +2839,7 @@
           <a:p>
             <a:fld id="{0DA6F2F8-F70A-47D7-AD2D-4F12E71A0C18}" type="datetimeFigureOut">
               <a:rPr lang="cs-CZ" smtClean="0"/>
-              <a:t>01.04.2019</a:t>
+              <a:t>28.03.2022</a:t>
             </a:fld>
             <a:endParaRPr lang="cs-CZ"/>
           </a:p>
@@ -2986,7 +2986,7 @@
           <a:p>
             <a:fld id="{0DA6F2F8-F70A-47D7-AD2D-4F12E71A0C18}" type="datetimeFigureOut">
               <a:rPr lang="cs-CZ" smtClean="0"/>
-              <a:t>01.04.2019</a:t>
+              <a:t>28.03.2022</a:t>
             </a:fld>
             <a:endParaRPr lang="cs-CZ"/>
           </a:p>
@@ -3093,7 +3093,7 @@
           <a:p>
             <a:fld id="{0DA6F2F8-F70A-47D7-AD2D-4F12E71A0C18}" type="datetimeFigureOut">
               <a:rPr lang="cs-CZ" smtClean="0"/>
-              <a:t>01.04.2019</a:t>
+              <a:t>28.03.2022</a:t>
             </a:fld>
             <a:endParaRPr lang="cs-CZ"/>
           </a:p>
@@ -3384,7 +3384,7 @@
           <a:p>
             <a:fld id="{0DA6F2F8-F70A-47D7-AD2D-4F12E71A0C18}" type="datetimeFigureOut">
               <a:rPr lang="cs-CZ" smtClean="0"/>
-              <a:t>01.04.2019</a:t>
+              <a:t>28.03.2022</a:t>
             </a:fld>
             <a:endParaRPr lang="cs-CZ"/>
           </a:p>
@@ -3653,7 +3653,7 @@
           <a:p>
             <a:fld id="{0DA6F2F8-F70A-47D7-AD2D-4F12E71A0C18}" type="datetimeFigureOut">
               <a:rPr lang="cs-CZ" smtClean="0"/>
-              <a:t>01.04.2019</a:t>
+              <a:t>28.03.2022</a:t>
             </a:fld>
             <a:endParaRPr lang="cs-CZ"/>
           </a:p>
@@ -3917,7 +3917,7 @@
           <a:p>
             <a:fld id="{0DA6F2F8-F70A-47D7-AD2D-4F12E71A0C18}" type="datetimeFigureOut">
               <a:rPr lang="cs-CZ" smtClean="0"/>
-              <a:t>01.04.2019</a:t>
+              <a:t>28.03.2022</a:t>
             </a:fld>
             <a:endParaRPr lang="cs-CZ"/>
           </a:p>
@@ -4766,12 +4766,25 @@
               <a:rPr lang="en-US" dirty="0"/>
               <a:t>First 100 000 operations for free</a:t>
             </a:r>
+            <a:r>
+              <a:rPr lang="cs-CZ" dirty="0"/>
+              <a:t>. </a:t>
+            </a:r>
+            <a:endParaRPr lang="en-US" dirty="0"/>
           </a:p>
           <a:p>
             <a:pPr lvl="1"/>
             <a:r>
               <a:rPr lang="en-US" dirty="0"/>
-              <a:t>0,506€ for next 1 000 000 operations</a:t>
+              <a:t>0,5</a:t>
+            </a:r>
+            <a:r>
+              <a:rPr lang="cs-CZ" dirty="0"/>
+              <a:t>4</a:t>
+            </a:r>
+            <a:r>
+              <a:rPr lang="en-US" dirty="0"/>
+              <a:t>€ for next 1 000 000 operations</a:t>
             </a:r>
           </a:p>
           <a:p>
@@ -4784,18 +4797,39 @@
             <a:pPr lvl="1"/>
             <a:r>
               <a:rPr lang="en-US" dirty="0"/>
-              <a:t>22€ for 1 000 000 actions</a:t>
-            </a:r>
+              <a:t>2</a:t>
+            </a:r>
+            <a:r>
+              <a:rPr lang="cs-CZ" dirty="0"/>
+              <a:t>3</a:t>
+            </a:r>
+            <a:r>
+              <a:rPr lang="en-US" dirty="0"/>
+              <a:t>€ for 1 000 000 actions</a:t>
+            </a:r>
+            <a:r>
+              <a:rPr lang="cs-CZ" dirty="0"/>
+              <a:t> (4 000 free)</a:t>
+            </a:r>
+            <a:endParaRPr lang="en-US" dirty="0"/>
           </a:p>
           <a:p>
             <a:pPr lvl="1"/>
             <a:r>
               <a:rPr lang="en-US" dirty="0"/>
-              <a:t>106€</a:t>
-            </a:r>
-            <a:r>
-              <a:rPr lang="cs-CZ" dirty="0"/>
-              <a:t> (844€)</a:t>
+              <a:t>1</a:t>
+            </a:r>
+            <a:r>
+              <a:rPr lang="cs-CZ" dirty="0"/>
+              <a:t>13</a:t>
+            </a:r>
+            <a:r>
+              <a:rPr lang="en-US" dirty="0"/>
+              <a:t>€</a:t>
+            </a:r>
+            <a:r>
+              <a:rPr lang="cs-CZ" dirty="0"/>
+              <a:t> (900€)</a:t>
             </a:r>
             <a:r>
               <a:rPr lang="en-US" dirty="0"/>
@@ -4835,7 +4869,15 @@
             <a:pPr lvl="1"/>
             <a:r>
               <a:rPr lang="en-US" dirty="0"/>
-              <a:t>14€ for 1 000 000 GB-s = average monthly memory consumption [GB] * run [s[ (measured in </a:t>
+              <a:t>1</a:t>
+            </a:r>
+            <a:r>
+              <a:rPr lang="cs-CZ" dirty="0"/>
+              <a:t>5</a:t>
+            </a:r>
+            <a:r>
+              <a:rPr lang="en-US" dirty="0"/>
+              <a:t>€ for 1 000 000 GB-s = average monthly memory consumption [GB] * run [s[ (measured in </a:t>
             </a:r>
             <a:r>
               <a:rPr lang="en-US" dirty="0" err="1"/>
@@ -4850,7 +4892,15 @@
             <a:pPr lvl="1"/>
             <a:r>
               <a:rPr lang="en-US" dirty="0"/>
-              <a:t>0,169€ for 1 000 000 runs</a:t>
+              <a:t>0,1</a:t>
+            </a:r>
+            <a:r>
+              <a:rPr lang="cs-CZ" dirty="0"/>
+              <a:t>8</a:t>
+            </a:r>
+            <a:r>
+              <a:rPr lang="en-US" dirty="0"/>
+              <a:t>€ for 1 000 000 runs</a:t>
             </a:r>
           </a:p>
         </p:txBody>
@@ -4957,7 +5007,15 @@
             </a:r>
             <a:r>
               <a:rPr lang="cs-CZ" dirty="0"/>
-              <a:t> by </a:t>
+              <a:t> </a:t>
+            </a:r>
+            <a:r>
+              <a:rPr lang="cs-CZ" dirty="0" err="1"/>
+              <a:t>be</a:t>
+            </a:r>
+            <a:r>
+              <a:rPr lang="cs-CZ" dirty="0"/>
+              <a:t> </a:t>
             </a:r>
             <a:r>
               <a:rPr lang="cs-CZ" dirty="0" err="1"/>
@@ -6594,7 +6652,7 @@
         <p:spPr/>
         <p:txBody>
           <a:bodyPr>
-            <a:normAutofit lnSpcReduction="10000"/>
+            <a:normAutofit/>
           </a:bodyPr>
           <a:lstStyle/>
           <a:p>
@@ -6720,36 +6778,27 @@
           </a:p>
           <a:p>
             <a:r>
+              <a:rPr lang="cs-CZ" dirty="0" err="1">
+                <a:hlinkClick r:id="rId9"/>
+              </a:rPr>
+              <a:t>Fn</a:t>
+            </a:r>
+            <a:r>
               <a:rPr lang="cs-CZ" dirty="0">
                 <a:hlinkClick r:id="rId9"/>
               </a:rPr>
-              <a:t>Webtask</a:t>
-            </a:r>
-            <a:endParaRPr lang="cs-CZ" dirty="0"/>
+              <a:t> Project</a:t>
+            </a:r>
+            <a:r>
+              <a:rPr lang="cs-CZ" dirty="0"/>
+              <a:t> (Oracle)</a:t>
+            </a:r>
           </a:p>
           <a:p>
             <a:r>
               <a:rPr lang="cs-CZ" dirty="0" err="1">
                 <a:hlinkClick r:id="rId10"/>
               </a:rPr>
-              <a:t>Fn</a:t>
-            </a:r>
-            <a:r>
-              <a:rPr lang="cs-CZ" dirty="0">
-                <a:hlinkClick r:id="rId10"/>
-              </a:rPr>
-              <a:t> Project</a:t>
-            </a:r>
-            <a:r>
-              <a:rPr lang="cs-CZ" dirty="0"/>
-              <a:t> (Oracle)</a:t>
-            </a:r>
-          </a:p>
-          <a:p>
-            <a:r>
-              <a:rPr lang="cs-CZ" dirty="0">
-                <a:hlinkClick r:id="rId11"/>
-              </a:rPr>
               <a:t>Kubeless</a:t>
             </a:r>
             <a:r>
@@ -6758,7 +6807,7 @@
             </a:r>
             <a:r>
               <a:rPr lang="cs-CZ" dirty="0" err="1"/>
-              <a:t>Kubernetes</a:t>
+              <a:t>VMware</a:t>
             </a:r>
             <a:r>
               <a:rPr lang="cs-CZ" dirty="0"/>
